--- a/raspberry-pi-report/生成AIの情報.pptx
+++ b/raspberry-pi-report/生成AIの情報.pptx
@@ -7,6 +7,11 @@
   <p:sldIdLst>
     <p:sldId id="256" r:id="rId2"/>
     <p:sldId id="262" r:id="rId3"/>
+    <p:sldId id="263" r:id="rId4"/>
+    <p:sldId id="265" r:id="rId5"/>
+    <p:sldId id="266" r:id="rId6"/>
+    <p:sldId id="267" r:id="rId7"/>
+    <p:sldId id="264" r:id="rId8"/>
   </p:sldIdLst>
   <p:sldSz cx="12192000" cy="6858000"/>
   <p:notesSz cx="6858000" cy="9144000"/>
@@ -111,6 +116,14 @@
     </p:ext>
   </p:extLst>
 </p:presentation>
+</file>
+
+<file path=ppt/revisionInfo.xml><?xml version="1.0" encoding="utf-8"?>
+<p1510:revInfo xmlns:a="http://schemas.openxmlformats.org/drawingml/2006/main" xmlns:r="http://schemas.openxmlformats.org/officeDocument/2006/relationships" xmlns:p1510="http://schemas.microsoft.com/office/powerpoint/2015/10/main">
+  <p1510:revLst>
+    <p1510:client id="{C43607F1-232B-44DB-B3B2-14DEC55E9315}" v="6" dt="2024-09-25T09:09:02.088"/>
+  </p1510:revLst>
+</p1510:revInfo>
 </file>
 
 <file path=ppt/changesInfos/changesInfo1.xml><?xml version="1.0" encoding="utf-8"?>
@@ -245,6 +258,176 @@
       </pc:sldChg>
     </pc:docChg>
   </pc:docChgLst>
+  <pc:docChgLst>
+    <pc:chgData name="Yoshiharu Hamaguchi" userId="470e288704938fe9" providerId="LiveId" clId="{C43607F1-232B-44DB-B3B2-14DEC55E9315}"/>
+    <pc:docChg chg="undo custSel addSld modSld">
+      <pc:chgData name="Yoshiharu Hamaguchi" userId="470e288704938fe9" providerId="LiveId" clId="{C43607F1-232B-44DB-B3B2-14DEC55E9315}" dt="2024-09-25T09:11:35.706" v="3118" actId="478"/>
+      <pc:docMkLst>
+        <pc:docMk/>
+      </pc:docMkLst>
+      <pc:sldChg chg="modSp mod">
+        <pc:chgData name="Yoshiharu Hamaguchi" userId="470e288704938fe9" providerId="LiveId" clId="{C43607F1-232B-44DB-B3B2-14DEC55E9315}" dt="2024-09-25T07:03:25.084" v="41" actId="20577"/>
+        <pc:sldMkLst>
+          <pc:docMk/>
+          <pc:sldMk cId="634982452" sldId="256"/>
+        </pc:sldMkLst>
+        <pc:spChg chg="mod">
+          <ac:chgData name="Yoshiharu Hamaguchi" userId="470e288704938fe9" providerId="LiveId" clId="{C43607F1-232B-44DB-B3B2-14DEC55E9315}" dt="2024-09-25T07:03:25.084" v="41" actId="20577"/>
+          <ac:spMkLst>
+            <pc:docMk/>
+            <pc:sldMk cId="634982452" sldId="256"/>
+            <ac:spMk id="2" creationId="{3F0D190A-A8DB-32F1-0D56-13F6D381B778}"/>
+          </ac:spMkLst>
+        </pc:spChg>
+      </pc:sldChg>
+      <pc:sldChg chg="modSp mod">
+        <pc:chgData name="Yoshiharu Hamaguchi" userId="470e288704938fe9" providerId="LiveId" clId="{C43607F1-232B-44DB-B3B2-14DEC55E9315}" dt="2024-09-25T07:49:42.946" v="1687" actId="207"/>
+        <pc:sldMkLst>
+          <pc:docMk/>
+          <pc:sldMk cId="4019972730" sldId="262"/>
+        </pc:sldMkLst>
+        <pc:spChg chg="mod">
+          <ac:chgData name="Yoshiharu Hamaguchi" userId="470e288704938fe9" providerId="LiveId" clId="{C43607F1-232B-44DB-B3B2-14DEC55E9315}" dt="2024-09-25T07:03:48.604" v="135" actId="20577"/>
+          <ac:spMkLst>
+            <pc:docMk/>
+            <pc:sldMk cId="4019972730" sldId="262"/>
+            <ac:spMk id="2" creationId="{9C784ACA-9376-15C6-DD93-68B5D582FADA}"/>
+          </ac:spMkLst>
+        </pc:spChg>
+        <pc:spChg chg="mod">
+          <ac:chgData name="Yoshiharu Hamaguchi" userId="470e288704938fe9" providerId="LiveId" clId="{C43607F1-232B-44DB-B3B2-14DEC55E9315}" dt="2024-09-25T07:49:42.946" v="1687" actId="207"/>
+          <ac:spMkLst>
+            <pc:docMk/>
+            <pc:sldMk cId="4019972730" sldId="262"/>
+            <ac:spMk id="3" creationId="{37025C41-8921-578C-16F8-6B5CF0A93AE0}"/>
+          </ac:spMkLst>
+        </pc:spChg>
+      </pc:sldChg>
+      <pc:sldChg chg="modSp add mod">
+        <pc:chgData name="Yoshiharu Hamaguchi" userId="470e288704938fe9" providerId="LiveId" clId="{C43607F1-232B-44DB-B3B2-14DEC55E9315}" dt="2024-09-25T08:09:42.249" v="2359" actId="27636"/>
+        <pc:sldMkLst>
+          <pc:docMk/>
+          <pc:sldMk cId="958570635" sldId="263"/>
+        </pc:sldMkLst>
+        <pc:spChg chg="mod">
+          <ac:chgData name="Yoshiharu Hamaguchi" userId="470e288704938fe9" providerId="LiveId" clId="{C43607F1-232B-44DB-B3B2-14DEC55E9315}" dt="2024-09-25T07:52:53.998" v="1846" actId="6549"/>
+          <ac:spMkLst>
+            <pc:docMk/>
+            <pc:sldMk cId="958570635" sldId="263"/>
+            <ac:spMk id="2" creationId="{9C784ACA-9376-15C6-DD93-68B5D582FADA}"/>
+          </ac:spMkLst>
+        </pc:spChg>
+        <pc:spChg chg="mod">
+          <ac:chgData name="Yoshiharu Hamaguchi" userId="470e288704938fe9" providerId="LiveId" clId="{C43607F1-232B-44DB-B3B2-14DEC55E9315}" dt="2024-09-25T08:09:42.249" v="2359" actId="27636"/>
+          <ac:spMkLst>
+            <pc:docMk/>
+            <pc:sldMk cId="958570635" sldId="263"/>
+            <ac:spMk id="3" creationId="{37025C41-8921-578C-16F8-6B5CF0A93AE0}"/>
+          </ac:spMkLst>
+        </pc:spChg>
+      </pc:sldChg>
+      <pc:sldChg chg="modSp add mod">
+        <pc:chgData name="Yoshiharu Hamaguchi" userId="470e288704938fe9" providerId="LiveId" clId="{C43607F1-232B-44DB-B3B2-14DEC55E9315}" dt="2024-09-25T07:05:11.103" v="258" actId="20577"/>
+        <pc:sldMkLst>
+          <pc:docMk/>
+          <pc:sldMk cId="3365730422" sldId="264"/>
+        </pc:sldMkLst>
+        <pc:spChg chg="mod">
+          <ac:chgData name="Yoshiharu Hamaguchi" userId="470e288704938fe9" providerId="LiveId" clId="{C43607F1-232B-44DB-B3B2-14DEC55E9315}" dt="2024-09-25T07:05:11.103" v="258" actId="20577"/>
+          <ac:spMkLst>
+            <pc:docMk/>
+            <pc:sldMk cId="3365730422" sldId="264"/>
+            <ac:spMk id="2" creationId="{9C784ACA-9376-15C6-DD93-68B5D582FADA}"/>
+          </ac:spMkLst>
+        </pc:spChg>
+        <pc:spChg chg="mod">
+          <ac:chgData name="Yoshiharu Hamaguchi" userId="470e288704938fe9" providerId="LiveId" clId="{C43607F1-232B-44DB-B3B2-14DEC55E9315}" dt="2024-09-25T07:05:06.763" v="251" actId="6549"/>
+          <ac:spMkLst>
+            <pc:docMk/>
+            <pc:sldMk cId="3365730422" sldId="264"/>
+            <ac:spMk id="3" creationId="{37025C41-8921-578C-16F8-6B5CF0A93AE0}"/>
+          </ac:spMkLst>
+        </pc:spChg>
+      </pc:sldChg>
+      <pc:sldChg chg="modSp add mod">
+        <pc:chgData name="Yoshiharu Hamaguchi" userId="470e288704938fe9" providerId="LiveId" clId="{C43607F1-232B-44DB-B3B2-14DEC55E9315}" dt="2024-09-25T08:19:04.620" v="2666" actId="20577"/>
+        <pc:sldMkLst>
+          <pc:docMk/>
+          <pc:sldMk cId="3485624740" sldId="265"/>
+        </pc:sldMkLst>
+        <pc:spChg chg="mod">
+          <ac:chgData name="Yoshiharu Hamaguchi" userId="470e288704938fe9" providerId="LiveId" clId="{C43607F1-232B-44DB-B3B2-14DEC55E9315}" dt="2024-09-25T08:09:55.618" v="2375" actId="20577"/>
+          <ac:spMkLst>
+            <pc:docMk/>
+            <pc:sldMk cId="3485624740" sldId="265"/>
+            <ac:spMk id="2" creationId="{9C784ACA-9376-15C6-DD93-68B5D582FADA}"/>
+          </ac:spMkLst>
+        </pc:spChg>
+        <pc:spChg chg="mod">
+          <ac:chgData name="Yoshiharu Hamaguchi" userId="470e288704938fe9" providerId="LiveId" clId="{C43607F1-232B-44DB-B3B2-14DEC55E9315}" dt="2024-09-25T08:19:04.620" v="2666" actId="20577"/>
+          <ac:spMkLst>
+            <pc:docMk/>
+            <pc:sldMk cId="3485624740" sldId="265"/>
+            <ac:spMk id="3" creationId="{37025C41-8921-578C-16F8-6B5CF0A93AE0}"/>
+          </ac:spMkLst>
+        </pc:spChg>
+      </pc:sldChg>
+      <pc:sldChg chg="addSp delSp modSp add mod">
+        <pc:chgData name="Yoshiharu Hamaguchi" userId="470e288704938fe9" providerId="LiveId" clId="{C43607F1-232B-44DB-B3B2-14DEC55E9315}" dt="2024-09-25T09:11:35.706" v="3118" actId="478"/>
+        <pc:sldMkLst>
+          <pc:docMk/>
+          <pc:sldMk cId="3544669301" sldId="266"/>
+        </pc:sldMkLst>
+        <pc:spChg chg="mod">
+          <ac:chgData name="Yoshiharu Hamaguchi" userId="470e288704938fe9" providerId="LiveId" clId="{C43607F1-232B-44DB-B3B2-14DEC55E9315}" dt="2024-09-25T09:11:28.810" v="3117" actId="20577"/>
+          <ac:spMkLst>
+            <pc:docMk/>
+            <pc:sldMk cId="3544669301" sldId="266"/>
+            <ac:spMk id="2" creationId="{9C784ACA-9376-15C6-DD93-68B5D582FADA}"/>
+          </ac:spMkLst>
+        </pc:spChg>
+        <pc:spChg chg="mod">
+          <ac:chgData name="Yoshiharu Hamaguchi" userId="470e288704938fe9" providerId="LiveId" clId="{C43607F1-232B-44DB-B3B2-14DEC55E9315}" dt="2024-09-25T09:10:07.344" v="3024" actId="20577"/>
+          <ac:spMkLst>
+            <pc:docMk/>
+            <pc:sldMk cId="3544669301" sldId="266"/>
+            <ac:spMk id="3" creationId="{37025C41-8921-578C-16F8-6B5CF0A93AE0}"/>
+          </ac:spMkLst>
+        </pc:spChg>
+        <pc:graphicFrameChg chg="add del mod">
+          <ac:chgData name="Yoshiharu Hamaguchi" userId="470e288704938fe9" providerId="LiveId" clId="{C43607F1-232B-44DB-B3B2-14DEC55E9315}" dt="2024-09-25T09:11:35.706" v="3118" actId="478"/>
+          <ac:graphicFrameMkLst>
+            <pc:docMk/>
+            <pc:sldMk cId="3544669301" sldId="266"/>
+            <ac:graphicFrameMk id="4" creationId="{9638860F-7C2B-CB75-3633-23A88AD1CFFF}"/>
+          </ac:graphicFrameMkLst>
+        </pc:graphicFrameChg>
+      </pc:sldChg>
+      <pc:sldChg chg="delSp modSp add mod">
+        <pc:chgData name="Yoshiharu Hamaguchi" userId="470e288704938fe9" providerId="LiveId" clId="{C43607F1-232B-44DB-B3B2-14DEC55E9315}" dt="2024-09-25T09:10:59.329" v="3044" actId="20577"/>
+        <pc:sldMkLst>
+          <pc:docMk/>
+          <pc:sldMk cId="768576187" sldId="267"/>
+        </pc:sldMkLst>
+        <pc:spChg chg="mod">
+          <ac:chgData name="Yoshiharu Hamaguchi" userId="470e288704938fe9" providerId="LiveId" clId="{C43607F1-232B-44DB-B3B2-14DEC55E9315}" dt="2024-09-25T09:10:59.329" v="3044" actId="20577"/>
+          <ac:spMkLst>
+            <pc:docMk/>
+            <pc:sldMk cId="768576187" sldId="267"/>
+            <ac:spMk id="3" creationId="{37025C41-8921-578C-16F8-6B5CF0A93AE0}"/>
+          </ac:spMkLst>
+        </pc:spChg>
+        <pc:graphicFrameChg chg="del">
+          <ac:chgData name="Yoshiharu Hamaguchi" userId="470e288704938fe9" providerId="LiveId" clId="{C43607F1-232B-44DB-B3B2-14DEC55E9315}" dt="2024-09-25T09:09:05.412" v="2871" actId="478"/>
+          <ac:graphicFrameMkLst>
+            <pc:docMk/>
+            <pc:sldMk cId="768576187" sldId="267"/>
+            <ac:graphicFrameMk id="4" creationId="{9638860F-7C2B-CB75-3633-23A88AD1CFFF}"/>
+          </ac:graphicFrameMkLst>
+        </pc:graphicFrameChg>
+      </pc:sldChg>
+    </pc:docChg>
+  </pc:docChgLst>
 </pc:chgInfo>
 </file>
 
@@ -395,7 +578,7 @@
           <a:p>
             <a:fld id="{9627246E-3903-4E01-B28D-BFF5567D65C3}" type="datetimeFigureOut">
               <a:rPr kumimoji="1" lang="ja-JP" altLang="en-US" smtClean="0"/>
-              <a:t>2024/8/30</a:t>
+              <a:t>2024/9/25</a:t>
             </a:fld>
             <a:endParaRPr kumimoji="1" lang="ja-JP" altLang="en-US"/>
           </a:p>
@@ -625,7 +808,7 @@
           <a:p>
             <a:fld id="{9627246E-3903-4E01-B28D-BFF5567D65C3}" type="datetimeFigureOut">
               <a:rPr kumimoji="1" lang="ja-JP" altLang="en-US" smtClean="0"/>
-              <a:t>2024/8/30</a:t>
+              <a:t>2024/9/25</a:t>
             </a:fld>
             <a:endParaRPr kumimoji="1" lang="ja-JP" altLang="en-US"/>
           </a:p>
@@ -865,7 +1048,7 @@
           <a:p>
             <a:fld id="{9627246E-3903-4E01-B28D-BFF5567D65C3}" type="datetimeFigureOut">
               <a:rPr kumimoji="1" lang="ja-JP" altLang="en-US" smtClean="0"/>
-              <a:t>2024/8/30</a:t>
+              <a:t>2024/9/25</a:t>
             </a:fld>
             <a:endParaRPr kumimoji="1" lang="ja-JP" altLang="en-US"/>
           </a:p>
@@ -1095,7 +1278,7 @@
           <a:p>
             <a:fld id="{9627246E-3903-4E01-B28D-BFF5567D65C3}" type="datetimeFigureOut">
               <a:rPr kumimoji="1" lang="ja-JP" altLang="en-US" smtClean="0"/>
-              <a:t>2024/8/30</a:t>
+              <a:t>2024/9/25</a:t>
             </a:fld>
             <a:endParaRPr kumimoji="1" lang="ja-JP" altLang="en-US"/>
           </a:p>
@@ -1370,7 +1553,7 @@
           <a:p>
             <a:fld id="{9627246E-3903-4E01-B28D-BFF5567D65C3}" type="datetimeFigureOut">
               <a:rPr kumimoji="1" lang="ja-JP" altLang="en-US" smtClean="0"/>
-              <a:t>2024/8/30</a:t>
+              <a:t>2024/9/25</a:t>
             </a:fld>
             <a:endParaRPr kumimoji="1" lang="ja-JP" altLang="en-US"/>
           </a:p>
@@ -1699,7 +1882,7 @@
           <a:p>
             <a:fld id="{9627246E-3903-4E01-B28D-BFF5567D65C3}" type="datetimeFigureOut">
               <a:rPr kumimoji="1" lang="ja-JP" altLang="en-US" smtClean="0"/>
-              <a:t>2024/8/30</a:t>
+              <a:t>2024/9/25</a:t>
             </a:fld>
             <a:endParaRPr kumimoji="1" lang="ja-JP" altLang="en-US"/>
           </a:p>
@@ -2175,7 +2358,7 @@
           <a:p>
             <a:fld id="{9627246E-3903-4E01-B28D-BFF5567D65C3}" type="datetimeFigureOut">
               <a:rPr kumimoji="1" lang="ja-JP" altLang="en-US" smtClean="0"/>
-              <a:t>2024/8/30</a:t>
+              <a:t>2024/9/25</a:t>
             </a:fld>
             <a:endParaRPr kumimoji="1" lang="ja-JP" altLang="en-US"/>
           </a:p>
@@ -2316,7 +2499,7 @@
           <a:p>
             <a:fld id="{9627246E-3903-4E01-B28D-BFF5567D65C3}" type="datetimeFigureOut">
               <a:rPr kumimoji="1" lang="ja-JP" altLang="en-US" smtClean="0"/>
-              <a:t>2024/8/30</a:t>
+              <a:t>2024/9/25</a:t>
             </a:fld>
             <a:endParaRPr kumimoji="1" lang="ja-JP" altLang="en-US"/>
           </a:p>
@@ -2429,7 +2612,7 @@
           <a:p>
             <a:fld id="{9627246E-3903-4E01-B28D-BFF5567D65C3}" type="datetimeFigureOut">
               <a:rPr kumimoji="1" lang="ja-JP" altLang="en-US" smtClean="0"/>
-              <a:t>2024/8/30</a:t>
+              <a:t>2024/9/25</a:t>
             </a:fld>
             <a:endParaRPr kumimoji="1" lang="ja-JP" altLang="en-US"/>
           </a:p>
@@ -2772,7 +2955,7 @@
           <a:p>
             <a:fld id="{9627246E-3903-4E01-B28D-BFF5567D65C3}" type="datetimeFigureOut">
               <a:rPr kumimoji="1" lang="ja-JP" altLang="en-US" smtClean="0"/>
-              <a:t>2024/8/30</a:t>
+              <a:t>2024/9/25</a:t>
             </a:fld>
             <a:endParaRPr kumimoji="1" lang="ja-JP" altLang="en-US"/>
           </a:p>
@@ -3060,7 +3243,7 @@
           <a:p>
             <a:fld id="{9627246E-3903-4E01-B28D-BFF5567D65C3}" type="datetimeFigureOut">
               <a:rPr kumimoji="1" lang="ja-JP" altLang="en-US" smtClean="0"/>
-              <a:t>2024/8/30</a:t>
+              <a:t>2024/9/25</a:t>
             </a:fld>
             <a:endParaRPr kumimoji="1" lang="ja-JP" altLang="en-US"/>
           </a:p>
@@ -3333,7 +3516,7 @@
           <a:p>
             <a:fld id="{9627246E-3903-4E01-B28D-BFF5567D65C3}" type="datetimeFigureOut">
               <a:rPr kumimoji="1" lang="ja-JP" altLang="en-US" smtClean="0"/>
-              <a:t>2024/8/30</a:t>
+              <a:t>2024/9/25</a:t>
             </a:fld>
             <a:endParaRPr kumimoji="1" lang="ja-JP" altLang="en-US"/>
           </a:p>
@@ -3772,12 +3955,20 @@
           <a:lstStyle/>
           <a:p>
             <a:r>
-              <a:rPr kumimoji="1" lang="ja-JP" altLang="en-US" dirty="0"/>
-              <a:t>様々な生成</a:t>
-            </a:r>
-            <a:r>
-              <a:rPr kumimoji="1" lang="en-US" altLang="ja-JP" dirty="0"/>
-              <a:t>AI</a:t>
+              <a:rPr lang="ja-JP" altLang="en-US" dirty="0"/>
+              <a:t>ラズパイ</a:t>
+            </a:r>
+            <a:r>
+              <a:rPr lang="en-US" altLang="ja-JP" dirty="0"/>
+              <a:t>5</a:t>
+            </a:r>
+            <a:r>
+              <a:rPr lang="ja-JP" altLang="en-US" dirty="0"/>
+              <a:t>で</a:t>
+            </a:r>
+            <a:r>
+              <a:rPr lang="en-US" altLang="ja-JP" dirty="0"/>
+              <a:t>gemma2</a:t>
             </a:r>
             <a:endParaRPr kumimoji="1" lang="ja-JP" altLang="en-US" dirty="0"/>
           </a:p>
@@ -3861,8 +4052,25 @@
           <a:p>
             <a:r>
               <a:rPr kumimoji="1" lang="ja-JP" altLang="en-US" dirty="0"/>
-              <a:t>結果まとめ</a:t>
-            </a:r>
+              <a:t>ラズパイ</a:t>
+            </a:r>
+            <a:r>
+              <a:rPr kumimoji="1" lang="en-US" altLang="ja-JP" dirty="0"/>
+              <a:t>5</a:t>
+            </a:r>
+            <a:r>
+              <a:rPr lang="ja-JP" altLang="en-US" dirty="0"/>
+              <a:t>で</a:t>
+            </a:r>
+            <a:r>
+              <a:rPr lang="en-US" altLang="ja-JP" dirty="0"/>
+              <a:t>AI</a:t>
+            </a:r>
+            <a:r>
+              <a:rPr lang="ja-JP" altLang="en-US" dirty="0"/>
+              <a:t>はサクサク動くのか？</a:t>
+            </a:r>
+            <a:endParaRPr kumimoji="1" lang="ja-JP" altLang="en-US" dirty="0"/>
           </a:p>
         </p:txBody>
       </p:sp>
@@ -3885,7 +4093,7 @@
         <p:spPr/>
         <p:txBody>
           <a:bodyPr>
-            <a:normAutofit fontScale="92500" lnSpcReduction="10000"/>
+            <a:normAutofit fontScale="92500"/>
           </a:bodyPr>
           <a:lstStyle/>
           <a:p>
@@ -3894,21 +4102,167 @@
             </a:pPr>
             <a:r>
               <a:rPr kumimoji="1" lang="ja-JP" altLang="en-US" dirty="0"/>
-              <a:t>・時間の差は明確に出るが、</a:t>
+              <a:t>・結論、</a:t>
+            </a:r>
+            <a:r>
+              <a:rPr kumimoji="1" lang="en-US" altLang="ja-JP" dirty="0"/>
+              <a:t>RAM</a:t>
+            </a:r>
+            <a:r>
+              <a:rPr lang="ja-JP" altLang="en-US" dirty="0"/>
+              <a:t>が</a:t>
             </a:r>
             <a:r>
               <a:rPr lang="en-US" altLang="ja-JP" dirty="0"/>
-              <a:t>CLASS10</a:t>
+              <a:t>8GB</a:t>
             </a:r>
             <a:r>
               <a:rPr lang="ja-JP" altLang="en-US" dirty="0"/>
-              <a:t>以上なら、結局</a:t>
-            </a:r>
-            <a:r>
-              <a:rPr kumimoji="1" lang="ja-JP" altLang="en-US" dirty="0"/>
-              <a:t>それほど大きな差はない印象</a:t>
+              <a:t>あれば、 </a:t>
+            </a:r>
+            <a:r>
+              <a:rPr lang="en-US" altLang="ja-JP" dirty="0"/>
+              <a:t>gemma2</a:t>
+            </a:r>
+            <a:r>
+              <a:rPr lang="ja-JP" altLang="en-US" dirty="0"/>
+              <a:t>の</a:t>
+            </a:r>
+            <a:r>
+              <a:rPr lang="en-US" altLang="ja-JP" dirty="0"/>
+              <a:t>2B</a:t>
+            </a:r>
+            <a:r>
+              <a:rPr lang="ja-JP" altLang="en-US" dirty="0"/>
+              <a:t>はそこそこ動いた！</a:t>
             </a:r>
             <a:endParaRPr lang="en-US" altLang="ja-JP" dirty="0"/>
+          </a:p>
+          <a:p>
+            <a:pPr marL="0" indent="0">
+              <a:buNone/>
+            </a:pPr>
+            <a:r>
+              <a:rPr lang="ja-JP" altLang="en-US" sz="1900" dirty="0"/>
+              <a:t>　　</a:t>
+            </a:r>
+            <a:r>
+              <a:rPr lang="en-US" altLang="ja-JP" sz="1900" dirty="0">
+                <a:solidFill>
+                  <a:srgbClr val="0070C0"/>
+                </a:solidFill>
+              </a:rPr>
+              <a:t>※</a:t>
+            </a:r>
+            <a:r>
+              <a:rPr lang="ja-JP" altLang="en-US" sz="1900" dirty="0">
+                <a:solidFill>
+                  <a:srgbClr val="0070C0"/>
+                </a:solidFill>
+              </a:rPr>
+              <a:t>但し</a:t>
+            </a:r>
+            <a:r>
+              <a:rPr lang="en-US" altLang="ja-JP" sz="1900" dirty="0">
+                <a:solidFill>
+                  <a:srgbClr val="0070C0"/>
+                </a:solidFill>
+              </a:rPr>
+              <a:t>gemma2</a:t>
+            </a:r>
+            <a:r>
+              <a:rPr lang="ja-JP" altLang="en-US" sz="1900" dirty="0">
+                <a:solidFill>
+                  <a:srgbClr val="0070C0"/>
+                </a:solidFill>
+              </a:rPr>
+              <a:t>の</a:t>
+            </a:r>
+            <a:r>
+              <a:rPr lang="en-US" altLang="ja-JP" sz="1900" dirty="0">
+                <a:solidFill>
+                  <a:srgbClr val="0070C0"/>
+                </a:solidFill>
+              </a:rPr>
+              <a:t>9B</a:t>
+            </a:r>
+            <a:r>
+              <a:rPr lang="ja-JP" altLang="en-US" sz="1900" dirty="0">
+                <a:solidFill>
+                  <a:srgbClr val="0070C0"/>
+                </a:solidFill>
+              </a:rPr>
+              <a:t>以上は</a:t>
+            </a:r>
+            <a:r>
+              <a:rPr lang="en-US" altLang="ja-JP" sz="1900" dirty="0">
+                <a:solidFill>
+                  <a:srgbClr val="0070C0"/>
+                </a:solidFill>
+              </a:rPr>
+              <a:t>NG</a:t>
+            </a:r>
+            <a:r>
+              <a:rPr lang="ja-JP" altLang="en-US" sz="1900" dirty="0">
+                <a:solidFill>
+                  <a:srgbClr val="0070C0"/>
+                </a:solidFill>
+              </a:rPr>
+              <a:t>。ちなみに</a:t>
+            </a:r>
+            <a:r>
+              <a:rPr lang="en-US" altLang="ja-JP" sz="1900" dirty="0">
+                <a:solidFill>
+                  <a:srgbClr val="0070C0"/>
+                </a:solidFill>
+              </a:rPr>
+              <a:t>RAM:4GB</a:t>
+            </a:r>
+            <a:r>
+              <a:rPr lang="ja-JP" altLang="en-US" sz="1900" dirty="0">
+                <a:solidFill>
+                  <a:srgbClr val="0070C0"/>
+                </a:solidFill>
+              </a:rPr>
+              <a:t>だと前段の</a:t>
+            </a:r>
+            <a:r>
+              <a:rPr lang="en-US" altLang="ja-JP" sz="1900" dirty="0" err="1">
+                <a:solidFill>
+                  <a:srgbClr val="0070C0"/>
+                </a:solidFill>
+              </a:rPr>
+              <a:t>ollama</a:t>
+            </a:r>
+            <a:r>
+              <a:rPr lang="ja-JP" altLang="en-US" sz="1900" dirty="0">
+                <a:solidFill>
+                  <a:srgbClr val="0070C0"/>
+                </a:solidFill>
+              </a:rPr>
+              <a:t>の</a:t>
+            </a:r>
+            <a:r>
+              <a:rPr lang="en-US" altLang="ja-JP" sz="1900" dirty="0">
+                <a:solidFill>
+                  <a:srgbClr val="0070C0"/>
+                </a:solidFill>
+              </a:rPr>
+              <a:t>install</a:t>
+            </a:r>
+            <a:r>
+              <a:rPr lang="ja-JP" altLang="en-US" sz="1900" dirty="0">
+                <a:solidFill>
+                  <a:srgbClr val="0070C0"/>
+                </a:solidFill>
+              </a:rPr>
+              <a:t>すらできない。。</a:t>
+            </a:r>
+            <a:endParaRPr lang="en-US" altLang="ja-JP" sz="1900" dirty="0">
+              <a:solidFill>
+                <a:srgbClr val="0070C0"/>
+              </a:solidFill>
+            </a:endParaRPr>
           </a:p>
           <a:p>
             <a:pPr marL="0" indent="0">
@@ -3921,44 +4275,56 @@
               <a:buNone/>
             </a:pPr>
             <a:r>
-              <a:rPr lang="ja-JP" altLang="en-US"/>
-              <a:t>・但し、今回</a:t>
-            </a:r>
-            <a:r>
               <a:rPr lang="ja-JP" altLang="en-US" dirty="0"/>
-              <a:t>の計測対象外ではあるが、</a:t>
+              <a:t>・今回は</a:t>
             </a:r>
             <a:r>
               <a:rPr lang="en-US" altLang="ja-JP" dirty="0"/>
-              <a:t>OS</a:t>
+              <a:t>Web</a:t>
             </a:r>
             <a:r>
               <a:rPr lang="ja-JP" altLang="en-US" dirty="0"/>
-              <a:t>を書き込む際の時間は、①</a:t>
+              <a:t>の情報を参考に、</a:t>
+            </a:r>
+            <a:r>
+              <a:rPr lang="en-US" altLang="ja-JP" dirty="0" err="1"/>
+              <a:t>ollama</a:t>
+            </a:r>
+            <a:r>
+              <a:rPr lang="ja-JP" altLang="en-US" dirty="0"/>
+              <a:t>で</a:t>
             </a:r>
             <a:r>
               <a:rPr lang="en-US" altLang="ja-JP" dirty="0"/>
-              <a:t>(64GB U3) &lt; </a:t>
+              <a:t>google</a:t>
             </a:r>
             <a:r>
               <a:rPr lang="ja-JP" altLang="en-US" dirty="0"/>
-              <a:t>②</a:t>
+              <a:t>の</a:t>
             </a:r>
             <a:r>
               <a:rPr lang="en-US" altLang="ja-JP" dirty="0"/>
-              <a:t>(64GB U1) &lt;&lt; </a:t>
+              <a:t>gemma2</a:t>
             </a:r>
             <a:r>
               <a:rPr lang="ja-JP" altLang="en-US" dirty="0"/>
-              <a:t>③</a:t>
+              <a:t>モデルを動作させ、かつ</a:t>
+            </a:r>
+            <a:r>
+              <a:rPr lang="en-US" altLang="ja-JP" dirty="0" err="1"/>
+              <a:t>langchain</a:t>
+            </a:r>
+            <a:r>
+              <a:rPr lang="ja-JP" altLang="en-US" dirty="0"/>
+              <a:t>を用いて</a:t>
             </a:r>
             <a:r>
               <a:rPr lang="en-US" altLang="ja-JP" dirty="0"/>
-              <a:t>(32GB U1)</a:t>
+              <a:t>Python</a:t>
             </a:r>
             <a:r>
               <a:rPr lang="ja-JP" altLang="en-US" dirty="0"/>
-              <a:t>で、これは特に③が時間がかかる印象を受けた。</a:t>
+              <a:t>のソースコードからアクセスできるようにして、簡単な翻訳アプリを作ったところまで共有します。</a:t>
             </a:r>
             <a:endParaRPr lang="en-US" altLang="ja-JP" dirty="0"/>
           </a:p>
@@ -3966,26 +4332,40 @@
             <a:pPr marL="0" indent="0">
               <a:buNone/>
             </a:pPr>
-            <a:r>
-              <a:rPr lang="en-US" altLang="ja-JP" sz="2200" dirty="0"/>
-              <a:t>※</a:t>
-            </a:r>
-            <a:r>
-              <a:rPr lang="ja-JP" altLang="en-US" sz="2200" dirty="0"/>
-              <a:t>②と③と性能は大差ないはずなので、もしかするとデバイス自体の残り寿命（③が短そう）の影響が出ている可能性はある。</a:t>
-            </a:r>
-            <a:endParaRPr lang="en-US" altLang="ja-JP" sz="2200" dirty="0"/>
+            <a:endParaRPr lang="en-US" altLang="ja-JP" dirty="0"/>
           </a:p>
           <a:p>
             <a:pPr marL="0" indent="0">
               <a:buNone/>
             </a:pPr>
-            <a:endParaRPr kumimoji="1" lang="en-US" altLang="ja-JP" dirty="0"/>
-          </a:p>
-          <a:p>
-            <a:pPr marL="0" indent="0">
-              <a:buNone/>
-            </a:pPr>
+            <a:r>
+              <a:rPr lang="ja-JP" altLang="en-US" dirty="0"/>
+              <a:t>・一応、</a:t>
+            </a:r>
+            <a:r>
+              <a:rPr lang="en-US" altLang="ja-JP" dirty="0"/>
+              <a:t>RAM4GB</a:t>
+            </a:r>
+            <a:r>
+              <a:rPr lang="ja-JP" altLang="en-US" dirty="0"/>
+              <a:t>でも、</a:t>
+            </a:r>
+            <a:r>
+              <a:rPr lang="en-US" altLang="ja-JP" dirty="0"/>
+              <a:t>gemma2</a:t>
+            </a:r>
+            <a:r>
+              <a:rPr lang="ja-JP" altLang="en-US" dirty="0"/>
+              <a:t>の入った</a:t>
+            </a:r>
+            <a:r>
+              <a:rPr lang="en-US" altLang="ja-JP" dirty="0"/>
+              <a:t>8GB</a:t>
+            </a:r>
+            <a:r>
+              <a:rPr lang="ja-JP" altLang="en-US" dirty="0"/>
+              <a:t>ラズパイにアクセスして、機能間借りできたので、その情報も共有します。</a:t>
+            </a:r>
             <a:br>
               <a:rPr lang="en-US" altLang="ja-JP" dirty="0"/>
             </a:br>
@@ -4003,6 +4383,1301 @@
     <p:extLst>
       <p:ext uri="{BB962C8B-B14F-4D97-AF65-F5344CB8AC3E}">
         <p14:creationId xmlns:p14="http://schemas.microsoft.com/office/powerpoint/2010/main" val="4019972730"/>
+      </p:ext>
+    </p:extLst>
+  </p:cSld>
+  <p:clrMapOvr>
+    <a:masterClrMapping/>
+  </p:clrMapOvr>
+</p:sld>
+</file>
+
+<file path=ppt/slides/slide3.xml><?xml version="1.0" encoding="utf-8"?>
+<p:sld xmlns:a="http://schemas.openxmlformats.org/drawingml/2006/main" xmlns:r="http://schemas.openxmlformats.org/officeDocument/2006/relationships" xmlns:p="http://schemas.openxmlformats.org/presentationml/2006/main">
+  <p:cSld>
+    <p:spTree>
+      <p:nvGrpSpPr>
+        <p:cNvPr id="1" name=""/>
+        <p:cNvGrpSpPr/>
+        <p:nvPr/>
+      </p:nvGrpSpPr>
+      <p:grpSpPr>
+        <a:xfrm>
+          <a:off x="0" y="0"/>
+          <a:ext cx="0" cy="0"/>
+          <a:chOff x="0" y="0"/>
+          <a:chExt cx="0" cy="0"/>
+        </a:xfrm>
+      </p:grpSpPr>
+      <p:sp>
+        <p:nvSpPr>
+          <p:cNvPr id="2" name="タイトル 1">
+            <a:extLst>
+              <a:ext uri="{FF2B5EF4-FFF2-40B4-BE49-F238E27FC236}">
+                <a16:creationId xmlns:a16="http://schemas.microsoft.com/office/drawing/2014/main" id="{9C784ACA-9376-15C6-DD93-68B5D582FADA}"/>
+              </a:ext>
+            </a:extLst>
+          </p:cNvPr>
+          <p:cNvSpPr>
+            <a:spLocks noGrp="1"/>
+          </p:cNvSpPr>
+          <p:nvPr>
+            <p:ph type="title"/>
+          </p:nvPr>
+        </p:nvSpPr>
+        <p:spPr/>
+        <p:txBody>
+          <a:bodyPr/>
+          <a:lstStyle/>
+          <a:p>
+            <a:r>
+              <a:rPr kumimoji="1" lang="ja-JP" altLang="en-US" dirty="0"/>
+              <a:t>インストール手順</a:t>
+            </a:r>
+          </a:p>
+        </p:txBody>
+      </p:sp>
+      <p:sp>
+        <p:nvSpPr>
+          <p:cNvPr id="3" name="コンテンツ プレースホルダー 2">
+            <a:extLst>
+              <a:ext uri="{FF2B5EF4-FFF2-40B4-BE49-F238E27FC236}">
+                <a16:creationId xmlns:a16="http://schemas.microsoft.com/office/drawing/2014/main" id="{37025C41-8921-578C-16F8-6B5CF0A93AE0}"/>
+              </a:ext>
+            </a:extLst>
+          </p:cNvPr>
+          <p:cNvSpPr>
+            <a:spLocks noGrp="1"/>
+          </p:cNvSpPr>
+          <p:nvPr>
+            <p:ph idx="1"/>
+          </p:nvPr>
+        </p:nvSpPr>
+        <p:spPr/>
+        <p:txBody>
+          <a:bodyPr>
+            <a:normAutofit lnSpcReduction="10000"/>
+          </a:bodyPr>
+          <a:lstStyle/>
+          <a:p>
+            <a:pPr marL="0" indent="0">
+              <a:buNone/>
+            </a:pPr>
+            <a:r>
+              <a:rPr lang="ja-JP" altLang="en-US" dirty="0"/>
+              <a:t>①</a:t>
+            </a:r>
+            <a:r>
+              <a:rPr lang="en-US" altLang="ja-JP" dirty="0"/>
+              <a:t>Docker</a:t>
+            </a:r>
+            <a:r>
+              <a:rPr lang="ja-JP" altLang="en-US" dirty="0"/>
+              <a:t>のインストール</a:t>
+            </a:r>
+            <a:endParaRPr lang="en-US" altLang="ja-JP" dirty="0"/>
+          </a:p>
+          <a:p>
+            <a:pPr marL="0" indent="0">
+              <a:buNone/>
+            </a:pPr>
+            <a:r>
+              <a:rPr lang="en-US" altLang="ja-JP" sz="1600" dirty="0"/>
+              <a:t>$ curl -</a:t>
+            </a:r>
+            <a:r>
+              <a:rPr lang="en-US" altLang="ja-JP" sz="1600" dirty="0" err="1"/>
+              <a:t>fsSL</a:t>
+            </a:r>
+            <a:r>
+              <a:rPr lang="en-US" altLang="ja-JP" sz="1600" dirty="0"/>
+              <a:t> https://get.docker.com -o get-docker.sh</a:t>
+            </a:r>
+          </a:p>
+          <a:p>
+            <a:pPr marL="0" indent="0">
+              <a:buNone/>
+            </a:pPr>
+            <a:r>
+              <a:rPr lang="en-US" altLang="ja-JP" sz="1600" dirty="0"/>
+              <a:t>$ </a:t>
+            </a:r>
+            <a:r>
+              <a:rPr lang="en-US" altLang="ja-JP" sz="1600" dirty="0" err="1"/>
+              <a:t>sudo</a:t>
+            </a:r>
+            <a:r>
+              <a:rPr lang="en-US" altLang="ja-JP" sz="1600" dirty="0"/>
+              <a:t> </a:t>
+            </a:r>
+            <a:r>
+              <a:rPr lang="en-US" altLang="ja-JP" sz="1600" dirty="0" err="1"/>
+              <a:t>sh</a:t>
+            </a:r>
+            <a:r>
+              <a:rPr lang="en-US" altLang="ja-JP" sz="1600" dirty="0"/>
+              <a:t> get-docker.sh</a:t>
+            </a:r>
+          </a:p>
+          <a:p>
+            <a:pPr marL="0" indent="0">
+              <a:buNone/>
+            </a:pPr>
+            <a:r>
+              <a:rPr lang="en-US" altLang="ja-JP" sz="1600" dirty="0"/>
+              <a:t>$ </a:t>
+            </a:r>
+            <a:r>
+              <a:rPr lang="en-US" altLang="ja-JP" sz="1600" dirty="0" err="1"/>
+              <a:t>sudo</a:t>
+            </a:r>
+            <a:r>
+              <a:rPr lang="en-US" altLang="ja-JP" sz="1600" dirty="0"/>
+              <a:t> </a:t>
+            </a:r>
+            <a:r>
+              <a:rPr lang="en-US" altLang="ja-JP" sz="1600" dirty="0" err="1"/>
+              <a:t>gpasswd</a:t>
+            </a:r>
+            <a:r>
+              <a:rPr lang="en-US" altLang="ja-JP" sz="1600" dirty="0"/>
+              <a:t> -a $USER docker</a:t>
+            </a:r>
+          </a:p>
+          <a:p>
+            <a:pPr marL="0" indent="0">
+              <a:buNone/>
+            </a:pPr>
+            <a:r>
+              <a:rPr lang="en-US" altLang="ja-JP" sz="1600" dirty="0"/>
+              <a:t>$ </a:t>
+            </a:r>
+            <a:r>
+              <a:rPr lang="en-US" altLang="ja-JP" sz="1600" dirty="0" err="1"/>
+              <a:t>newgrp</a:t>
+            </a:r>
+            <a:r>
+              <a:rPr lang="en-US" altLang="ja-JP" sz="1600" dirty="0"/>
+              <a:t> docker</a:t>
+            </a:r>
+          </a:p>
+          <a:p>
+            <a:pPr marL="0" indent="0">
+              <a:buNone/>
+            </a:pPr>
+            <a:r>
+              <a:rPr lang="en-US" altLang="ja-JP" sz="1500" dirty="0">
+                <a:solidFill>
+                  <a:srgbClr val="0070C0"/>
+                </a:solidFill>
+              </a:rPr>
+              <a:t>※</a:t>
+            </a:r>
+            <a:r>
+              <a:rPr lang="ja-JP" altLang="en-US" sz="1500" dirty="0">
+                <a:solidFill>
+                  <a:srgbClr val="0070C0"/>
+                </a:solidFill>
+              </a:rPr>
+              <a:t>インストール後、</a:t>
+            </a:r>
+            <a:r>
+              <a:rPr lang="en-US" altLang="ja-JP" sz="1500" dirty="0">
+                <a:solidFill>
+                  <a:srgbClr val="0070C0"/>
+                </a:solidFill>
+              </a:rPr>
+              <a:t> ”docker run --rm hello-world” </a:t>
+            </a:r>
+            <a:r>
+              <a:rPr lang="ja-JP" altLang="en-US" sz="1500" dirty="0">
+                <a:solidFill>
+                  <a:srgbClr val="0070C0"/>
+                </a:solidFill>
+              </a:rPr>
+              <a:t>を実行して、</a:t>
+            </a:r>
+            <a:r>
+              <a:rPr lang="en-US" altLang="ja-JP" sz="1500" dirty="0">
+                <a:solidFill>
+                  <a:srgbClr val="0070C0"/>
+                </a:solidFill>
+              </a:rPr>
+              <a:t>”Hello from Docker!”</a:t>
+            </a:r>
+            <a:r>
+              <a:rPr lang="ja-JP" altLang="en-US" sz="1500" dirty="0">
+                <a:solidFill>
+                  <a:srgbClr val="0070C0"/>
+                </a:solidFill>
+              </a:rPr>
+              <a:t>が表示されたらインストール成功です。</a:t>
+            </a:r>
+            <a:endParaRPr lang="en-US" altLang="ja-JP" sz="1500" dirty="0">
+              <a:solidFill>
+                <a:srgbClr val="0070C0"/>
+              </a:solidFill>
+            </a:endParaRPr>
+          </a:p>
+          <a:p>
+            <a:pPr marL="0" indent="0">
+              <a:buNone/>
+            </a:pPr>
+            <a:r>
+              <a:rPr kumimoji="1" lang="ja-JP" altLang="en-US" dirty="0"/>
+              <a:t>②</a:t>
+            </a:r>
+            <a:r>
+              <a:rPr kumimoji="1" lang="en-US" altLang="ja-JP" dirty="0" err="1"/>
+              <a:t>Ollama</a:t>
+            </a:r>
+            <a:r>
+              <a:rPr lang="ja-JP" altLang="en-US" dirty="0"/>
+              <a:t>のセットアップ</a:t>
+            </a:r>
+            <a:endParaRPr lang="en-US" altLang="ja-JP" dirty="0"/>
+          </a:p>
+          <a:p>
+            <a:pPr marL="0" indent="0">
+              <a:buNone/>
+            </a:pPr>
+            <a:r>
+              <a:rPr kumimoji="1" lang="fi-FI" altLang="ja-JP" sz="1600" dirty="0"/>
+              <a:t>$ docker run -d -v ollama:/root/.ollama -p 11434:11434 --name ollama ollama/ollama</a:t>
+            </a:r>
+          </a:p>
+          <a:p>
+            <a:pPr marL="0" indent="0">
+              <a:buNone/>
+            </a:pPr>
+            <a:endParaRPr lang="en-US" altLang="ja-JP" dirty="0"/>
+          </a:p>
+          <a:p>
+            <a:pPr marL="0" indent="0">
+              <a:buNone/>
+            </a:pPr>
+            <a:r>
+              <a:rPr lang="ja-JP" altLang="en-US" dirty="0"/>
+              <a:t>③</a:t>
+            </a:r>
+            <a:r>
+              <a:rPr lang="en-US" altLang="ja-JP" dirty="0" err="1"/>
+              <a:t>Ollama</a:t>
+            </a:r>
+            <a:r>
+              <a:rPr lang="ja-JP" altLang="en-US" dirty="0"/>
+              <a:t>から</a:t>
+            </a:r>
+            <a:r>
+              <a:rPr lang="en-US" altLang="ja-JP" dirty="0"/>
+              <a:t>gemma2:2b</a:t>
+            </a:r>
+            <a:r>
+              <a:rPr lang="ja-JP" altLang="en-US" dirty="0"/>
+              <a:t>の</a:t>
+            </a:r>
+            <a:r>
+              <a:rPr lang="en-US" altLang="ja-JP" dirty="0"/>
+              <a:t>pull</a:t>
+            </a:r>
+          </a:p>
+          <a:p>
+            <a:pPr marL="0" indent="0">
+              <a:buNone/>
+            </a:pPr>
+            <a:r>
+              <a:rPr lang="en-US" altLang="ja-JP" sz="1600" dirty="0"/>
+              <a:t>$ docker exec -it </a:t>
+            </a:r>
+            <a:r>
+              <a:rPr lang="en-US" altLang="ja-JP" sz="1600" dirty="0" err="1"/>
+              <a:t>ollama</a:t>
+            </a:r>
+            <a:r>
+              <a:rPr lang="en-US" altLang="ja-JP" sz="1600" dirty="0"/>
+              <a:t> </a:t>
+            </a:r>
+            <a:r>
+              <a:rPr lang="en-US" altLang="ja-JP" sz="1600" dirty="0" err="1"/>
+              <a:t>ollama</a:t>
+            </a:r>
+            <a:r>
+              <a:rPr lang="en-US" altLang="ja-JP" sz="1600" dirty="0"/>
+              <a:t> pull gemma2:2b</a:t>
+            </a:r>
+          </a:p>
+          <a:p>
+            <a:pPr marL="0" indent="0">
+              <a:buNone/>
+            </a:pPr>
+            <a:endParaRPr lang="en-US" altLang="ja-JP" sz="1600" dirty="0"/>
+          </a:p>
+          <a:p>
+            <a:pPr marL="0" indent="0">
+              <a:buNone/>
+            </a:pPr>
+            <a:endParaRPr kumimoji="1" lang="fi-FI" altLang="ja-JP" dirty="0"/>
+          </a:p>
+          <a:p>
+            <a:pPr marL="0" indent="0">
+              <a:buNone/>
+            </a:pPr>
+            <a:endParaRPr kumimoji="1" lang="en-US" altLang="ja-JP" dirty="0"/>
+          </a:p>
+        </p:txBody>
+      </p:sp>
+    </p:spTree>
+    <p:extLst>
+      <p:ext uri="{BB962C8B-B14F-4D97-AF65-F5344CB8AC3E}">
+        <p14:creationId xmlns:p14="http://schemas.microsoft.com/office/powerpoint/2010/main" val="958570635"/>
+      </p:ext>
+    </p:extLst>
+  </p:cSld>
+  <p:clrMapOvr>
+    <a:masterClrMapping/>
+  </p:clrMapOvr>
+</p:sld>
+</file>
+
+<file path=ppt/slides/slide4.xml><?xml version="1.0" encoding="utf-8"?>
+<p:sld xmlns:a="http://schemas.openxmlformats.org/drawingml/2006/main" xmlns:r="http://schemas.openxmlformats.org/officeDocument/2006/relationships" xmlns:p="http://schemas.openxmlformats.org/presentationml/2006/main">
+  <p:cSld>
+    <p:spTree>
+      <p:nvGrpSpPr>
+        <p:cNvPr id="1" name=""/>
+        <p:cNvGrpSpPr/>
+        <p:nvPr/>
+      </p:nvGrpSpPr>
+      <p:grpSpPr>
+        <a:xfrm>
+          <a:off x="0" y="0"/>
+          <a:ext cx="0" cy="0"/>
+          <a:chOff x="0" y="0"/>
+          <a:chExt cx="0" cy="0"/>
+        </a:xfrm>
+      </p:grpSpPr>
+      <p:sp>
+        <p:nvSpPr>
+          <p:cNvPr id="2" name="タイトル 1">
+            <a:extLst>
+              <a:ext uri="{FF2B5EF4-FFF2-40B4-BE49-F238E27FC236}">
+                <a16:creationId xmlns:a16="http://schemas.microsoft.com/office/drawing/2014/main" id="{9C784ACA-9376-15C6-DD93-68B5D582FADA}"/>
+              </a:ext>
+            </a:extLst>
+          </p:cNvPr>
+          <p:cNvSpPr>
+            <a:spLocks noGrp="1"/>
+          </p:cNvSpPr>
+          <p:nvPr>
+            <p:ph type="title"/>
+          </p:nvPr>
+        </p:nvSpPr>
+        <p:spPr/>
+        <p:txBody>
+          <a:bodyPr/>
+          <a:lstStyle/>
+          <a:p>
+            <a:r>
+              <a:rPr lang="en-US" altLang="ja-JP" dirty="0"/>
+              <a:t>gemma2</a:t>
+            </a:r>
+            <a:r>
+              <a:rPr lang="ja-JP" altLang="en-US" dirty="0"/>
+              <a:t>の起動</a:t>
+            </a:r>
+            <a:r>
+              <a:rPr kumimoji="1" lang="ja-JP" altLang="en-US" dirty="0"/>
+              <a:t>手順</a:t>
+            </a:r>
+          </a:p>
+        </p:txBody>
+      </p:sp>
+      <p:sp>
+        <p:nvSpPr>
+          <p:cNvPr id="3" name="コンテンツ プレースホルダー 2">
+            <a:extLst>
+              <a:ext uri="{FF2B5EF4-FFF2-40B4-BE49-F238E27FC236}">
+                <a16:creationId xmlns:a16="http://schemas.microsoft.com/office/drawing/2014/main" id="{37025C41-8921-578C-16F8-6B5CF0A93AE0}"/>
+              </a:ext>
+            </a:extLst>
+          </p:cNvPr>
+          <p:cNvSpPr>
+            <a:spLocks noGrp="1"/>
+          </p:cNvSpPr>
+          <p:nvPr>
+            <p:ph idx="1"/>
+          </p:nvPr>
+        </p:nvSpPr>
+        <p:spPr/>
+        <p:txBody>
+          <a:bodyPr>
+            <a:normAutofit/>
+          </a:bodyPr>
+          <a:lstStyle/>
+          <a:p>
+            <a:pPr marL="0" indent="0">
+              <a:buNone/>
+            </a:pPr>
+            <a:r>
+              <a:rPr lang="ja-JP" altLang="en-US" dirty="0"/>
+              <a:t>①</a:t>
+            </a:r>
+            <a:r>
+              <a:rPr lang="en-US" altLang="ja-JP" dirty="0" err="1"/>
+              <a:t>ollama</a:t>
+            </a:r>
+            <a:r>
+              <a:rPr lang="ja-JP" altLang="en-US" dirty="0"/>
+              <a:t>をサーバ起動　</a:t>
+            </a:r>
+            <a:r>
+              <a:rPr lang="en-US" altLang="ja-JP" dirty="0"/>
+              <a:t>※</a:t>
+            </a:r>
+            <a:r>
+              <a:rPr lang="ja-JP" altLang="en-US" dirty="0"/>
+              <a:t>ラズパイ起動時のみ</a:t>
+            </a:r>
+            <a:endParaRPr lang="en-US" altLang="ja-JP" dirty="0"/>
+          </a:p>
+          <a:p>
+            <a:pPr marL="0" indent="0">
+              <a:buNone/>
+            </a:pPr>
+            <a:r>
+              <a:rPr kumimoji="1" lang="ja-JP" altLang="en-US" sz="1600" dirty="0"/>
+              <a:t>　　</a:t>
+            </a:r>
+            <a:r>
+              <a:rPr kumimoji="1" lang="en-US" altLang="ja-JP" sz="1800" dirty="0"/>
+              <a:t>$ docker start </a:t>
+            </a:r>
+            <a:r>
+              <a:rPr kumimoji="1" lang="en-US" altLang="ja-JP" sz="1800" dirty="0" err="1"/>
+              <a:t>ollama</a:t>
+            </a:r>
+            <a:endParaRPr kumimoji="1" lang="en-US" altLang="ja-JP" sz="1800" dirty="0"/>
+          </a:p>
+          <a:p>
+            <a:pPr marL="0" indent="0">
+              <a:buNone/>
+            </a:pPr>
+            <a:endParaRPr lang="en-US" altLang="ja-JP" dirty="0"/>
+          </a:p>
+          <a:p>
+            <a:pPr marL="0" indent="0">
+              <a:buNone/>
+            </a:pPr>
+            <a:r>
+              <a:rPr lang="ja-JP" altLang="en-US" dirty="0"/>
+              <a:t>②</a:t>
+            </a:r>
+            <a:r>
+              <a:rPr lang="en-US" altLang="ja-JP" dirty="0"/>
+              <a:t>gemma2</a:t>
+            </a:r>
+            <a:r>
+              <a:rPr lang="ja-JP" altLang="en-US" dirty="0"/>
+              <a:t>を起動</a:t>
+            </a:r>
+            <a:endParaRPr lang="en-US" altLang="ja-JP" dirty="0"/>
+          </a:p>
+          <a:p>
+            <a:pPr marL="0" indent="0">
+              <a:buNone/>
+            </a:pPr>
+            <a:r>
+              <a:rPr lang="ja-JP" altLang="en-US" sz="1800" dirty="0"/>
+              <a:t>　　</a:t>
+            </a:r>
+            <a:r>
+              <a:rPr lang="en-US" altLang="ja-JP" sz="1800" dirty="0"/>
+              <a:t>$ docker exec -it </a:t>
+            </a:r>
+            <a:r>
+              <a:rPr lang="en-US" altLang="ja-JP" sz="1800" dirty="0" err="1"/>
+              <a:t>ollama</a:t>
+            </a:r>
+            <a:r>
+              <a:rPr lang="en-US" altLang="ja-JP" sz="1800" dirty="0"/>
+              <a:t> </a:t>
+            </a:r>
+            <a:r>
+              <a:rPr lang="en-US" altLang="ja-JP" sz="1800" dirty="0" err="1"/>
+              <a:t>ollama</a:t>
+            </a:r>
+            <a:r>
+              <a:rPr lang="en-US" altLang="ja-JP" sz="1800" dirty="0"/>
+              <a:t> run gemma2:2b</a:t>
+            </a:r>
+          </a:p>
+          <a:p>
+            <a:pPr marL="0" indent="0">
+              <a:buNone/>
+            </a:pPr>
+            <a:endParaRPr kumimoji="1" lang="en-US" altLang="ja-JP" dirty="0"/>
+          </a:p>
+          <a:p>
+            <a:pPr marL="0" indent="0">
+              <a:buNone/>
+            </a:pPr>
+            <a:r>
+              <a:rPr kumimoji="1" lang="en-US" altLang="ja-JP" dirty="0"/>
+              <a:t>※</a:t>
+            </a:r>
+            <a:r>
+              <a:rPr kumimoji="1" lang="ja-JP" altLang="en-US" dirty="0"/>
+              <a:t>上記</a:t>
+            </a:r>
+            <a:r>
+              <a:rPr lang="ja-JP" altLang="en-US" dirty="0"/>
+              <a:t>②のコマンドの短縮系</a:t>
+            </a:r>
+            <a:r>
+              <a:rPr lang="en-US" altLang="ja-JP" sz="2800" dirty="0"/>
+              <a:t>”olm-gem2”</a:t>
+            </a:r>
+            <a:r>
+              <a:rPr lang="ja-JP" altLang="en-US" dirty="0"/>
+              <a:t>を</a:t>
+            </a:r>
+            <a:r>
+              <a:rPr lang="en-US" altLang="ja-JP" dirty="0"/>
+              <a:t>.</a:t>
+            </a:r>
+            <a:r>
+              <a:rPr lang="en-US" altLang="ja-JP" dirty="0" err="1"/>
+              <a:t>bashrc</a:t>
+            </a:r>
+            <a:r>
+              <a:rPr lang="ja-JP" altLang="en-US" dirty="0"/>
+              <a:t>へ登録</a:t>
+            </a:r>
+            <a:endParaRPr lang="en-US" altLang="ja-JP" dirty="0"/>
+          </a:p>
+          <a:p>
+            <a:pPr marL="0" indent="0">
+              <a:buNone/>
+            </a:pPr>
+            <a:r>
+              <a:rPr lang="ja-JP" altLang="en-US" sz="1600" dirty="0"/>
+              <a:t>　　</a:t>
+            </a:r>
+            <a:r>
+              <a:rPr lang="en-US" altLang="ja-JP" sz="1600" dirty="0"/>
+              <a:t>1. “~/.</a:t>
+            </a:r>
+            <a:r>
+              <a:rPr lang="en-US" altLang="ja-JP" sz="1600" dirty="0" err="1"/>
+              <a:t>bashrc</a:t>
+            </a:r>
+            <a:r>
+              <a:rPr lang="en-US" altLang="ja-JP" sz="1600" dirty="0"/>
+              <a:t>” </a:t>
+            </a:r>
+            <a:r>
+              <a:rPr lang="ja-JP" altLang="en-US" sz="1600" dirty="0"/>
+              <a:t>に以下を追加</a:t>
+            </a:r>
+            <a:endParaRPr lang="en-US" altLang="ja-JP" sz="1600" dirty="0"/>
+          </a:p>
+          <a:p>
+            <a:pPr marL="0" indent="0">
+              <a:buNone/>
+            </a:pPr>
+            <a:r>
+              <a:rPr lang="ja-JP" altLang="en-US" sz="1600" dirty="0"/>
+              <a:t>　　</a:t>
+            </a:r>
+            <a:r>
+              <a:rPr lang="en-US" altLang="ja-JP" sz="1600" dirty="0"/>
+              <a:t>$ alias olm-gem2='docker exec -it </a:t>
+            </a:r>
+            <a:r>
+              <a:rPr lang="en-US" altLang="ja-JP" sz="1600" dirty="0" err="1"/>
+              <a:t>ollama</a:t>
+            </a:r>
+            <a:r>
+              <a:rPr lang="en-US" altLang="ja-JP" sz="1600" dirty="0"/>
+              <a:t> </a:t>
+            </a:r>
+            <a:r>
+              <a:rPr lang="en-US" altLang="ja-JP" sz="1600" dirty="0" err="1"/>
+              <a:t>ollama</a:t>
+            </a:r>
+            <a:r>
+              <a:rPr lang="en-US" altLang="ja-JP" sz="1600" dirty="0"/>
+              <a:t> run gemma2:2b’</a:t>
+            </a:r>
+          </a:p>
+          <a:p>
+            <a:pPr marL="0" indent="0">
+              <a:buNone/>
+            </a:pPr>
+            <a:r>
+              <a:rPr lang="ja-JP" altLang="en-US" sz="1600" dirty="0"/>
+              <a:t>　　</a:t>
+            </a:r>
+            <a:r>
+              <a:rPr lang="en-US" altLang="ja-JP" sz="1600" dirty="0"/>
+              <a:t>2 </a:t>
+            </a:r>
+            <a:r>
+              <a:rPr lang="ja-JP" altLang="en-US" sz="1600" dirty="0"/>
+              <a:t>変更後、</a:t>
+            </a:r>
+            <a:r>
+              <a:rPr lang="en-US" altLang="ja-JP" sz="1600" dirty="0"/>
+              <a:t>”source  ~/.</a:t>
+            </a:r>
+            <a:r>
+              <a:rPr lang="en-US" altLang="ja-JP" sz="1600" dirty="0" err="1"/>
+              <a:t>bashrc</a:t>
+            </a:r>
+            <a:r>
+              <a:rPr lang="en-US" altLang="ja-JP" sz="1600" dirty="0"/>
+              <a:t>”</a:t>
+            </a:r>
+            <a:r>
+              <a:rPr lang="ja-JP" altLang="en-US" sz="1600" dirty="0"/>
+              <a:t>で即有効化</a:t>
+            </a:r>
+            <a:endParaRPr lang="en-US" altLang="ja-JP" sz="1600" dirty="0"/>
+          </a:p>
+          <a:p>
+            <a:pPr marL="0" indent="0">
+              <a:buNone/>
+            </a:pPr>
+            <a:endParaRPr lang="en-US" altLang="ja-JP" sz="2800" dirty="0"/>
+          </a:p>
+          <a:p>
+            <a:pPr marL="0" indent="0">
+              <a:buNone/>
+            </a:pPr>
+            <a:endParaRPr kumimoji="1" lang="en-US" altLang="ja-JP" dirty="0"/>
+          </a:p>
+        </p:txBody>
+      </p:sp>
+    </p:spTree>
+    <p:extLst>
+      <p:ext uri="{BB962C8B-B14F-4D97-AF65-F5344CB8AC3E}">
+        <p14:creationId xmlns:p14="http://schemas.microsoft.com/office/powerpoint/2010/main" val="3485624740"/>
+      </p:ext>
+    </p:extLst>
+  </p:cSld>
+  <p:clrMapOvr>
+    <a:masterClrMapping/>
+  </p:clrMapOvr>
+</p:sld>
+</file>
+
+<file path=ppt/slides/slide5.xml><?xml version="1.0" encoding="utf-8"?>
+<p:sld xmlns:a="http://schemas.openxmlformats.org/drawingml/2006/main" xmlns:r="http://schemas.openxmlformats.org/officeDocument/2006/relationships" xmlns:p="http://schemas.openxmlformats.org/presentationml/2006/main">
+  <p:cSld>
+    <p:spTree>
+      <p:nvGrpSpPr>
+        <p:cNvPr id="1" name=""/>
+        <p:cNvGrpSpPr/>
+        <p:nvPr/>
+      </p:nvGrpSpPr>
+      <p:grpSpPr>
+        <a:xfrm>
+          <a:off x="0" y="0"/>
+          <a:ext cx="0" cy="0"/>
+          <a:chOff x="0" y="0"/>
+          <a:chExt cx="0" cy="0"/>
+        </a:xfrm>
+      </p:grpSpPr>
+      <p:sp>
+        <p:nvSpPr>
+          <p:cNvPr id="2" name="タイトル 1">
+            <a:extLst>
+              <a:ext uri="{FF2B5EF4-FFF2-40B4-BE49-F238E27FC236}">
+                <a16:creationId xmlns:a16="http://schemas.microsoft.com/office/drawing/2014/main" id="{9C784ACA-9376-15C6-DD93-68B5D582FADA}"/>
+              </a:ext>
+            </a:extLst>
+          </p:cNvPr>
+          <p:cNvSpPr>
+            <a:spLocks noGrp="1"/>
+          </p:cNvSpPr>
+          <p:nvPr>
+            <p:ph type="title"/>
+          </p:nvPr>
+        </p:nvSpPr>
+        <p:spPr/>
+        <p:txBody>
+          <a:bodyPr/>
+          <a:lstStyle/>
+          <a:p>
+            <a:r>
+              <a:rPr lang="en-US" altLang="ja-JP" dirty="0" err="1"/>
+              <a:t>Langchain</a:t>
+            </a:r>
+            <a:r>
+              <a:rPr lang="ja-JP" altLang="en-US" dirty="0"/>
+              <a:t>を使った翻訳お試し</a:t>
+            </a:r>
+            <a:endParaRPr kumimoji="1" lang="ja-JP" altLang="en-US" dirty="0"/>
+          </a:p>
+        </p:txBody>
+      </p:sp>
+      <p:sp>
+        <p:nvSpPr>
+          <p:cNvPr id="3" name="コンテンツ プレースホルダー 2">
+            <a:extLst>
+              <a:ext uri="{FF2B5EF4-FFF2-40B4-BE49-F238E27FC236}">
+                <a16:creationId xmlns:a16="http://schemas.microsoft.com/office/drawing/2014/main" id="{37025C41-8921-578C-16F8-6B5CF0A93AE0}"/>
+              </a:ext>
+            </a:extLst>
+          </p:cNvPr>
+          <p:cNvSpPr>
+            <a:spLocks noGrp="1"/>
+          </p:cNvSpPr>
+          <p:nvPr>
+            <p:ph idx="1"/>
+          </p:nvPr>
+        </p:nvSpPr>
+        <p:spPr/>
+        <p:txBody>
+          <a:bodyPr>
+            <a:normAutofit/>
+          </a:bodyPr>
+          <a:lstStyle/>
+          <a:p>
+            <a:pPr marL="0" indent="0">
+              <a:buNone/>
+            </a:pPr>
+            <a:r>
+              <a:rPr lang="ja-JP" altLang="en-US" dirty="0"/>
+              <a:t>①</a:t>
+            </a:r>
+            <a:r>
+              <a:rPr lang="en-US" altLang="ja-JP" dirty="0"/>
+              <a:t>Python</a:t>
+            </a:r>
+            <a:r>
+              <a:rPr lang="ja-JP" altLang="en-US" dirty="0"/>
+              <a:t>スクリプトと</a:t>
+            </a:r>
+            <a:r>
+              <a:rPr lang="en-US" altLang="ja-JP" dirty="0"/>
+              <a:t>VS Code </a:t>
+            </a:r>
+            <a:r>
+              <a:rPr lang="ja-JP" altLang="en-US" dirty="0"/>
+              <a:t>設定ファイル</a:t>
+            </a:r>
+            <a:endParaRPr lang="en-US" altLang="ja-JP" dirty="0"/>
+          </a:p>
+          <a:p>
+            <a:pPr marL="0" indent="0">
+              <a:buNone/>
+            </a:pPr>
+            <a:endParaRPr lang="en-US" altLang="ja-JP" dirty="0"/>
+          </a:p>
+          <a:p>
+            <a:pPr marL="0" indent="0">
+              <a:buNone/>
+            </a:pPr>
+            <a:r>
+              <a:rPr lang="ja-JP" altLang="en-US" dirty="0"/>
+              <a:t>②</a:t>
+            </a:r>
+            <a:r>
+              <a:rPr lang="en-US" altLang="ja-JP" dirty="0"/>
+              <a:t>VS Code</a:t>
+            </a:r>
+            <a:r>
+              <a:rPr lang="ja-JP" altLang="en-US" dirty="0"/>
+              <a:t>でリモートで開く</a:t>
+            </a:r>
+            <a:endParaRPr lang="en-US" altLang="ja-JP" dirty="0"/>
+          </a:p>
+          <a:p>
+            <a:pPr marL="0" indent="0">
+              <a:buNone/>
+            </a:pPr>
+            <a:r>
+              <a:rPr lang="en-US" altLang="ja-JP" dirty="0"/>
+              <a:t>VS Code &gt; F1</a:t>
+            </a:r>
+            <a:r>
+              <a:rPr lang="ja-JP" altLang="en-US" dirty="0"/>
+              <a:t>ボタン押下 </a:t>
+            </a:r>
+            <a:r>
+              <a:rPr lang="en-US" altLang="ja-JP" dirty="0"/>
+              <a:t>&gt; </a:t>
+            </a:r>
+          </a:p>
+          <a:p>
+            <a:pPr marL="0" indent="0">
+              <a:buNone/>
+            </a:pPr>
+            <a:r>
+              <a:rPr lang="ja-JP" altLang="en-US" dirty="0"/>
+              <a:t>②必要なモジュールのインストール</a:t>
+            </a:r>
+            <a:endParaRPr lang="en-US" altLang="ja-JP" dirty="0"/>
+          </a:p>
+          <a:p>
+            <a:pPr marL="0" indent="0">
+              <a:buNone/>
+            </a:pPr>
+            <a:r>
+              <a:rPr lang="ja-JP" altLang="en-US" sz="1600" dirty="0"/>
+              <a:t>　　</a:t>
+            </a:r>
+            <a:r>
+              <a:rPr lang="en-US" altLang="ja-JP" sz="1600" dirty="0"/>
+              <a:t>$ pip install </a:t>
+            </a:r>
+            <a:r>
+              <a:rPr lang="en-US" altLang="ja-JP" sz="1600" dirty="0" err="1"/>
+              <a:t>langchain_community</a:t>
+            </a:r>
+            <a:r>
+              <a:rPr lang="en-US" altLang="ja-JP" sz="1600" dirty="0"/>
+              <a:t> --break-system-packages</a:t>
+            </a:r>
+          </a:p>
+          <a:p>
+            <a:pPr marL="0" indent="0">
+              <a:buNone/>
+            </a:pPr>
+            <a:r>
+              <a:rPr lang="ja-JP" altLang="en-US" sz="1600" dirty="0"/>
+              <a:t>　　</a:t>
+            </a:r>
+            <a:r>
+              <a:rPr lang="en-US" altLang="ja-JP" sz="1600" dirty="0"/>
+              <a:t>$ pip install </a:t>
+            </a:r>
+            <a:r>
+              <a:rPr lang="en-US" altLang="ja-JP" sz="1600" dirty="0" err="1"/>
+              <a:t>openpyxl</a:t>
+            </a:r>
+            <a:r>
+              <a:rPr lang="en-US" altLang="ja-JP" sz="1600" dirty="0"/>
+              <a:t>  --break-system-packages</a:t>
+            </a:r>
+          </a:p>
+          <a:p>
+            <a:pPr marL="0" indent="0">
+              <a:buNone/>
+            </a:pPr>
+            <a:endParaRPr lang="en-US" altLang="ja-JP" sz="1600" dirty="0"/>
+          </a:p>
+        </p:txBody>
+      </p:sp>
+    </p:spTree>
+    <p:extLst>
+      <p:ext uri="{BB962C8B-B14F-4D97-AF65-F5344CB8AC3E}">
+        <p14:creationId xmlns:p14="http://schemas.microsoft.com/office/powerpoint/2010/main" val="3544669301"/>
+      </p:ext>
+    </p:extLst>
+  </p:cSld>
+  <p:clrMapOvr>
+    <a:masterClrMapping/>
+  </p:clrMapOvr>
+</p:sld>
+</file>
+
+<file path=ppt/slides/slide6.xml><?xml version="1.0" encoding="utf-8"?>
+<p:sld xmlns:a="http://schemas.openxmlformats.org/drawingml/2006/main" xmlns:r="http://schemas.openxmlformats.org/officeDocument/2006/relationships" xmlns:p="http://schemas.openxmlformats.org/presentationml/2006/main">
+  <p:cSld>
+    <p:spTree>
+      <p:nvGrpSpPr>
+        <p:cNvPr id="1" name=""/>
+        <p:cNvGrpSpPr/>
+        <p:nvPr/>
+      </p:nvGrpSpPr>
+      <p:grpSpPr>
+        <a:xfrm>
+          <a:off x="0" y="0"/>
+          <a:ext cx="0" cy="0"/>
+          <a:chOff x="0" y="0"/>
+          <a:chExt cx="0" cy="0"/>
+        </a:xfrm>
+      </p:grpSpPr>
+      <p:sp>
+        <p:nvSpPr>
+          <p:cNvPr id="2" name="タイトル 1">
+            <a:extLst>
+              <a:ext uri="{FF2B5EF4-FFF2-40B4-BE49-F238E27FC236}">
+                <a16:creationId xmlns:a16="http://schemas.microsoft.com/office/drawing/2014/main" id="{9C784ACA-9376-15C6-DD93-68B5D582FADA}"/>
+              </a:ext>
+            </a:extLst>
+          </p:cNvPr>
+          <p:cNvSpPr>
+            <a:spLocks noGrp="1"/>
+          </p:cNvSpPr>
+          <p:nvPr>
+            <p:ph type="title"/>
+          </p:nvPr>
+        </p:nvSpPr>
+        <p:spPr/>
+        <p:txBody>
+          <a:bodyPr/>
+          <a:lstStyle/>
+          <a:p>
+            <a:r>
+              <a:rPr lang="ja-JP" altLang="en-US" dirty="0"/>
+              <a:t>翻訳クラスの作成</a:t>
+            </a:r>
+            <a:endParaRPr kumimoji="1" lang="ja-JP" altLang="en-US" dirty="0"/>
+          </a:p>
+        </p:txBody>
+      </p:sp>
+      <p:sp>
+        <p:nvSpPr>
+          <p:cNvPr id="3" name="コンテンツ プレースホルダー 2">
+            <a:extLst>
+              <a:ext uri="{FF2B5EF4-FFF2-40B4-BE49-F238E27FC236}">
+                <a16:creationId xmlns:a16="http://schemas.microsoft.com/office/drawing/2014/main" id="{37025C41-8921-578C-16F8-6B5CF0A93AE0}"/>
+              </a:ext>
+            </a:extLst>
+          </p:cNvPr>
+          <p:cNvSpPr>
+            <a:spLocks noGrp="1"/>
+          </p:cNvSpPr>
+          <p:nvPr>
+            <p:ph idx="1"/>
+          </p:nvPr>
+        </p:nvSpPr>
+        <p:spPr/>
+        <p:txBody>
+          <a:bodyPr>
+            <a:normAutofit/>
+          </a:bodyPr>
+          <a:lstStyle/>
+          <a:p>
+            <a:pPr marL="0" indent="0">
+              <a:buNone/>
+            </a:pPr>
+            <a:r>
+              <a:rPr lang="ja-JP" altLang="en-US" dirty="0"/>
+              <a:t>①</a:t>
+            </a:r>
+            <a:r>
+              <a:rPr lang="en-US" altLang="ja-JP" dirty="0"/>
+              <a:t>Python</a:t>
+            </a:r>
+            <a:r>
+              <a:rPr lang="ja-JP" altLang="en-US" dirty="0"/>
+              <a:t>スクリプトと</a:t>
+            </a:r>
+            <a:r>
+              <a:rPr lang="en-US" altLang="ja-JP" dirty="0"/>
+              <a:t>VS Code </a:t>
+            </a:r>
+            <a:r>
+              <a:rPr lang="ja-JP" altLang="en-US" dirty="0"/>
+              <a:t>設定ファイル</a:t>
+            </a:r>
+            <a:endParaRPr lang="en-US" altLang="ja-JP" dirty="0"/>
+          </a:p>
+          <a:p>
+            <a:pPr marL="0" indent="0">
+              <a:buNone/>
+            </a:pPr>
+            <a:endParaRPr lang="en-US" altLang="ja-JP" dirty="0"/>
+          </a:p>
+          <a:p>
+            <a:pPr marL="0" indent="0">
+              <a:buNone/>
+            </a:pPr>
+            <a:r>
+              <a:rPr lang="ja-JP" altLang="en-US" dirty="0"/>
+              <a:t>②</a:t>
+            </a:r>
+            <a:r>
+              <a:rPr lang="en-US" altLang="ja-JP" dirty="0"/>
+              <a:t>Docker</a:t>
+            </a:r>
+            <a:r>
+              <a:rPr lang="ja-JP" altLang="en-US" dirty="0"/>
+              <a:t>のインストール</a:t>
+            </a:r>
+            <a:endParaRPr lang="en-US" altLang="ja-JP" dirty="0"/>
+          </a:p>
+          <a:p>
+            <a:pPr marL="0" indent="0">
+              <a:buNone/>
+            </a:pPr>
+            <a:r>
+              <a:rPr lang="ja-JP" altLang="en-US" sz="1600" dirty="0"/>
+              <a:t>　　</a:t>
+            </a:r>
+            <a:r>
+              <a:rPr lang="en-US" altLang="ja-JP" sz="1600" dirty="0"/>
+              <a:t>$ pip install </a:t>
+            </a:r>
+            <a:r>
+              <a:rPr lang="en-US" altLang="ja-JP" sz="1600" dirty="0" err="1"/>
+              <a:t>langchain_chroma</a:t>
+            </a:r>
+            <a:r>
+              <a:rPr lang="en-US" altLang="ja-JP" sz="1600" dirty="0"/>
+              <a:t> --break-system-packages</a:t>
+            </a:r>
+          </a:p>
+          <a:p>
+            <a:pPr marL="0" indent="0">
+              <a:buNone/>
+            </a:pPr>
+            <a:r>
+              <a:rPr lang="ja-JP" altLang="en-US" sz="1600" dirty="0"/>
+              <a:t>　　</a:t>
+            </a:r>
+            <a:r>
+              <a:rPr lang="en-US" altLang="ja-JP" sz="1600" dirty="0"/>
+              <a:t>$ pip install </a:t>
+            </a:r>
+            <a:r>
+              <a:rPr lang="en-US" altLang="ja-JP" sz="1600" dirty="0" err="1"/>
+              <a:t>langchain_ollama</a:t>
+            </a:r>
+            <a:r>
+              <a:rPr lang="en-US" altLang="ja-JP" sz="1600" dirty="0"/>
+              <a:t> --break-system-packages</a:t>
+            </a:r>
+          </a:p>
+          <a:p>
+            <a:pPr marL="0" indent="0">
+              <a:buNone/>
+            </a:pPr>
+            <a:endParaRPr lang="en-US" altLang="ja-JP" sz="1600" dirty="0"/>
+          </a:p>
+          <a:p>
+            <a:pPr marL="0" indent="0">
+              <a:buNone/>
+            </a:pPr>
+            <a:endParaRPr lang="en-US" altLang="ja-JP" sz="1600" dirty="0"/>
+          </a:p>
+          <a:p>
+            <a:pPr marL="0" indent="0">
+              <a:buNone/>
+            </a:pPr>
+            <a:endParaRPr kumimoji="1" lang="fi-FI" altLang="ja-JP" dirty="0"/>
+          </a:p>
+          <a:p>
+            <a:pPr marL="0" indent="0">
+              <a:buNone/>
+            </a:pPr>
+            <a:r>
+              <a:rPr kumimoji="1" lang="ja-JP" altLang="en-US" dirty="0"/>
+              <a:t>②</a:t>
+            </a:r>
+            <a:endParaRPr kumimoji="1" lang="en-US" altLang="ja-JP" dirty="0"/>
+          </a:p>
+        </p:txBody>
+      </p:sp>
+    </p:spTree>
+    <p:extLst>
+      <p:ext uri="{BB962C8B-B14F-4D97-AF65-F5344CB8AC3E}">
+        <p14:creationId xmlns:p14="http://schemas.microsoft.com/office/powerpoint/2010/main" val="768576187"/>
+      </p:ext>
+    </p:extLst>
+  </p:cSld>
+  <p:clrMapOvr>
+    <a:masterClrMapping/>
+  </p:clrMapOvr>
+</p:sld>
+</file>
+
+<file path=ppt/slides/slide7.xml><?xml version="1.0" encoding="utf-8"?>
+<p:sld xmlns:a="http://schemas.openxmlformats.org/drawingml/2006/main" xmlns:r="http://schemas.openxmlformats.org/officeDocument/2006/relationships" xmlns:p="http://schemas.openxmlformats.org/presentationml/2006/main">
+  <p:cSld>
+    <p:spTree>
+      <p:nvGrpSpPr>
+        <p:cNvPr id="1" name=""/>
+        <p:cNvGrpSpPr/>
+        <p:nvPr/>
+      </p:nvGrpSpPr>
+      <p:grpSpPr>
+        <a:xfrm>
+          <a:off x="0" y="0"/>
+          <a:ext cx="0" cy="0"/>
+          <a:chOff x="0" y="0"/>
+          <a:chExt cx="0" cy="0"/>
+        </a:xfrm>
+      </p:grpSpPr>
+      <p:sp>
+        <p:nvSpPr>
+          <p:cNvPr id="2" name="タイトル 1">
+            <a:extLst>
+              <a:ext uri="{FF2B5EF4-FFF2-40B4-BE49-F238E27FC236}">
+                <a16:creationId xmlns:a16="http://schemas.microsoft.com/office/drawing/2014/main" id="{9C784ACA-9376-15C6-DD93-68B5D582FADA}"/>
+              </a:ext>
+            </a:extLst>
+          </p:cNvPr>
+          <p:cNvSpPr>
+            <a:spLocks noGrp="1"/>
+          </p:cNvSpPr>
+          <p:nvPr>
+            <p:ph type="title"/>
+          </p:nvPr>
+        </p:nvSpPr>
+        <p:spPr/>
+        <p:txBody>
+          <a:bodyPr/>
+          <a:lstStyle/>
+          <a:p>
+            <a:r>
+              <a:rPr kumimoji="1" lang="ja-JP" altLang="en-US" dirty="0"/>
+              <a:t>引用サイト</a:t>
+            </a:r>
+          </a:p>
+        </p:txBody>
+      </p:sp>
+      <p:sp>
+        <p:nvSpPr>
+          <p:cNvPr id="3" name="コンテンツ プレースホルダー 2">
+            <a:extLst>
+              <a:ext uri="{FF2B5EF4-FFF2-40B4-BE49-F238E27FC236}">
+                <a16:creationId xmlns:a16="http://schemas.microsoft.com/office/drawing/2014/main" id="{37025C41-8921-578C-16F8-6B5CF0A93AE0}"/>
+              </a:ext>
+            </a:extLst>
+          </p:cNvPr>
+          <p:cNvSpPr>
+            <a:spLocks noGrp="1"/>
+          </p:cNvSpPr>
+          <p:nvPr>
+            <p:ph idx="1"/>
+          </p:nvPr>
+        </p:nvSpPr>
+        <p:spPr/>
+        <p:txBody>
+          <a:bodyPr>
+            <a:normAutofit/>
+          </a:bodyPr>
+          <a:lstStyle/>
+          <a:p>
+            <a:pPr marL="0" indent="0">
+              <a:buNone/>
+            </a:pPr>
+            <a:r>
+              <a:rPr lang="ja-JP" altLang="en-US" dirty="0"/>
+              <a:t>・</a:t>
+            </a:r>
+            <a:r>
+              <a:rPr lang="en-US" altLang="ja-JP" dirty="0">
+                <a:hlinkClick r:id="rId2"/>
+              </a:rPr>
+              <a:t>Raspberry Pi</a:t>
+            </a:r>
+            <a:r>
+              <a:rPr lang="ja-JP" altLang="en-US" dirty="0">
+                <a:hlinkClick r:id="rId2"/>
+              </a:rPr>
+              <a:t>で</a:t>
+            </a:r>
+            <a:r>
+              <a:rPr lang="en-US" altLang="ja-JP" dirty="0">
+                <a:hlinkClick r:id="rId2"/>
+              </a:rPr>
+              <a:t>Docker</a:t>
+            </a:r>
+            <a:r>
+              <a:rPr lang="ja-JP" altLang="en-US" dirty="0">
+                <a:hlinkClick r:id="rId2"/>
+              </a:rPr>
+              <a:t>をセットアップ </a:t>
+            </a:r>
+            <a:r>
+              <a:rPr lang="en-US" altLang="ja-JP" dirty="0">
+                <a:hlinkClick r:id="rId2"/>
+              </a:rPr>
+              <a:t>(</a:t>
+            </a:r>
+            <a:r>
+              <a:rPr lang="en-US" altLang="ja-JP" dirty="0" err="1">
+                <a:hlinkClick r:id="rId2"/>
+              </a:rPr>
+              <a:t>zenn.dev</a:t>
+            </a:r>
+            <a:r>
+              <a:rPr lang="en-US" altLang="ja-JP" dirty="0">
+                <a:hlinkClick r:id="rId2"/>
+              </a:rPr>
+              <a:t>)</a:t>
+            </a:r>
+            <a:endParaRPr lang="en-US" altLang="ja-JP" dirty="0"/>
+          </a:p>
+          <a:p>
+            <a:pPr marL="0" indent="0">
+              <a:buNone/>
+            </a:pPr>
+            <a:r>
+              <a:rPr lang="ja-JP" altLang="en-US" dirty="0"/>
+              <a:t>・</a:t>
+            </a:r>
+            <a:r>
+              <a:rPr lang="en-US" altLang="ja-JP" dirty="0">
+                <a:hlinkClick r:id="rId3"/>
+              </a:rPr>
+              <a:t>Raspberry Pi</a:t>
+            </a:r>
+            <a:r>
+              <a:rPr lang="ja-JP" altLang="en-US" dirty="0">
+                <a:hlinkClick r:id="rId3"/>
+              </a:rPr>
+              <a:t>（ラズパイ）のローカル環境で</a:t>
+            </a:r>
+            <a:r>
+              <a:rPr lang="en-US" altLang="ja-JP" dirty="0">
+                <a:hlinkClick r:id="rId3"/>
+              </a:rPr>
+              <a:t>LLM</a:t>
+            </a:r>
+            <a:r>
+              <a:rPr lang="ja-JP" altLang="en-US" dirty="0">
+                <a:hlinkClick r:id="rId3"/>
+              </a:rPr>
+              <a:t>を動かす </a:t>
+            </a:r>
+            <a:r>
+              <a:rPr lang="en-US" altLang="ja-JP" dirty="0">
+                <a:hlinkClick r:id="rId3"/>
+              </a:rPr>
+              <a:t>(</a:t>
+            </a:r>
+            <a:r>
+              <a:rPr lang="en-US" altLang="ja-JP" dirty="0" err="1">
+                <a:hlinkClick r:id="rId3"/>
+              </a:rPr>
+              <a:t>zenn.dev</a:t>
+            </a:r>
+            <a:r>
+              <a:rPr lang="en-US" altLang="ja-JP" dirty="0">
+                <a:hlinkClick r:id="rId3"/>
+              </a:rPr>
+              <a:t>)</a:t>
+            </a:r>
+            <a:br>
+              <a:rPr lang="en-US" altLang="ja-JP" dirty="0"/>
+            </a:br>
+            <a:endParaRPr kumimoji="1" lang="en-US" altLang="ja-JP" dirty="0"/>
+          </a:p>
+          <a:p>
+            <a:pPr marL="0" indent="0">
+              <a:buNone/>
+            </a:pPr>
+            <a:endParaRPr kumimoji="1" lang="en-US" altLang="ja-JP" dirty="0"/>
+          </a:p>
+          <a:p>
+            <a:pPr marL="0" indent="0">
+              <a:buNone/>
+            </a:pPr>
+            <a:endParaRPr kumimoji="1" lang="en-US" altLang="ja-JP" dirty="0"/>
+          </a:p>
+        </p:txBody>
+      </p:sp>
+    </p:spTree>
+    <p:extLst>
+      <p:ext uri="{BB962C8B-B14F-4D97-AF65-F5344CB8AC3E}">
+        <p14:creationId xmlns:p14="http://schemas.microsoft.com/office/powerpoint/2010/main" val="3365730422"/>
       </p:ext>
     </p:extLst>
   </p:cSld>
